--- a/01 Presentation/UniversalOpenImagePredictor.pptx
+++ b/01 Presentation/UniversalOpenImagePredictor.pptx
@@ -7,17 +7,19 @@
   <p:sldIdLst>
     <p:sldId id="256" r:id="rId2"/>
     <p:sldId id="257" r:id="rId3"/>
-    <p:sldId id="258" r:id="rId4"/>
-    <p:sldId id="259" r:id="rId5"/>
-    <p:sldId id="261" r:id="rId6"/>
+    <p:sldId id="261" r:id="rId4"/>
+    <p:sldId id="258" r:id="rId5"/>
+    <p:sldId id="259" r:id="rId6"/>
     <p:sldId id="260" r:id="rId7"/>
     <p:sldId id="270" r:id="rId8"/>
     <p:sldId id="273" r:id="rId9"/>
     <p:sldId id="268" r:id="rId10"/>
     <p:sldId id="272" r:id="rId11"/>
-    <p:sldId id="262" r:id="rId12"/>
+    <p:sldId id="275" r:id="rId12"/>
     <p:sldId id="264" r:id="rId13"/>
-    <p:sldId id="269" r:id="rId14"/>
+    <p:sldId id="262" r:id="rId14"/>
+    <p:sldId id="274" r:id="rId15"/>
+    <p:sldId id="269" r:id="rId16"/>
   </p:sldIdLst>
   <p:sldSz cx="12192000" cy="6858000"/>
   <p:notesSz cx="6858000" cy="9144000"/>
@@ -116,6 +118,11 @@
       </a:defRPr>
     </a:lvl9pPr>
   </p:defaultTextStyle>
+  <p:extLst>
+    <p:ext uri="{EFAFB233-063F-42B5-8137-9DF3F51BA10A}">
+      <p15:sldGuideLst xmlns:p15="http://schemas.microsoft.com/office/powerpoint/2012/main"/>
+    </p:ext>
+  </p:extLst>
 </p:presentation>
 </file>
 
@@ -4011,13 +4018,13 @@
           <a:p>
             <a:r>
               <a:rPr lang="en-IN" dirty="0"/>
-              <a:t># validation images: ~40K.</a:t>
+              <a:t># validation images: ~10K.</a:t>
             </a:r>
           </a:p>
           <a:p>
             <a:r>
               <a:rPr lang="en-IN" dirty="0"/>
-              <a:t># test images: ~15K.</a:t>
+              <a:t># test images: ~1K.</a:t>
             </a:r>
           </a:p>
           <a:p>
@@ -4110,44 +4117,120 @@
           <a:p>
             <a:r>
               <a:rPr lang="en-IN" dirty="0"/>
-              <a:t>Model for 20 classes</a:t>
-            </a:r>
-          </a:p>
-        </p:txBody>
-      </p:sp>
-      <p:pic>
-        <p:nvPicPr>
-          <p:cNvPr id="5" name="Content Placeholder 4">
+              <a:t>Data Augmentations used</a:t>
+            </a:r>
+          </a:p>
+        </p:txBody>
+      </p:sp>
+      <p:sp>
+        <p:nvSpPr>
+          <p:cNvPr id="3" name="Content Placeholder 2">
             <a:extLst>
               <a:ext uri="{FF2B5EF4-FFF2-40B4-BE49-F238E27FC236}">
-                <a16:creationId xmlns:a16="http://schemas.microsoft.com/office/drawing/2014/main" id="{8FC9C56C-0186-427A-B844-EDE582455BF1}"/>
+                <a16:creationId xmlns:a16="http://schemas.microsoft.com/office/drawing/2014/main" id="{2B6DEA3F-9D49-4C38-9368-AD6F80DF72CA}"/>
               </a:ext>
             </a:extLst>
           </p:cNvPr>
-          <p:cNvPicPr>
-            <a:picLocks noGrp="1" noChangeAspect="1"/>
-          </p:cNvPicPr>
+          <p:cNvSpPr>
+            <a:spLocks noGrp="1"/>
+          </p:cNvSpPr>
           <p:nvPr>
             <p:ph idx="1"/>
           </p:nvPr>
-        </p:nvPicPr>
-        <p:blipFill>
-          <a:blip r:embed="rId2"/>
-          <a:stretch>
-            <a:fillRect/>
-          </a:stretch>
-        </p:blipFill>
-        <p:spPr>
-          <a:xfrm>
-            <a:off x="1480269" y="990600"/>
-            <a:ext cx="10195916" cy="5654878"/>
-          </a:xfrm>
-        </p:spPr>
-      </p:pic>
+        </p:nvSpPr>
+        <p:spPr>
+          <a:xfrm>
+            <a:off x="1371600" y="990601"/>
+            <a:ext cx="9601200" cy="4876800"/>
+          </a:xfrm>
+        </p:spPr>
+        <p:txBody>
+          <a:bodyPr>
+            <a:normAutofit/>
+          </a:bodyPr>
+          <a:lstStyle/>
+          <a:p>
+            <a:endParaRPr lang="en-IN" dirty="0"/>
+          </a:p>
+          <a:p>
+            <a:r>
+              <a:rPr lang="en-IN" dirty="0"/>
+              <a:t>A very useful library: </a:t>
+            </a:r>
+            <a:r>
+              <a:rPr lang="en-IN" b="1" dirty="0" err="1"/>
+              <a:t>albumentations</a:t>
+            </a:r>
+            <a:endParaRPr lang="en-IN" b="1" dirty="0"/>
+          </a:p>
+          <a:p>
+            <a:r>
+              <a:rPr lang="en-IN" dirty="0"/>
+              <a:t>Horizontal flip</a:t>
+            </a:r>
+          </a:p>
+          <a:p>
+            <a:r>
+              <a:rPr lang="en-IN" dirty="0"/>
+              <a:t>One of the noises: Additive Gaussian Noise / Gauss Noise</a:t>
+            </a:r>
+          </a:p>
+          <a:p>
+            <a:r>
+              <a:rPr lang="en-IN" dirty="0"/>
+              <a:t>One of Motion Blur / Median Blur</a:t>
+            </a:r>
+          </a:p>
+          <a:p>
+            <a:r>
+              <a:rPr lang="en-IN" dirty="0"/>
+              <a:t>Shift scale rotate</a:t>
+            </a:r>
+          </a:p>
+          <a:p>
+            <a:r>
+              <a:rPr lang="en-IN" dirty="0"/>
+              <a:t>One of Optical Distortion, Grid distortion, Piecewise Affine</a:t>
+            </a:r>
+          </a:p>
+          <a:p>
+            <a:r>
+              <a:rPr lang="en-IN" dirty="0"/>
+              <a:t>One of CLAHE / Sharpen / Emboss / Random Contrast / Brightness</a:t>
+            </a:r>
+          </a:p>
+          <a:p>
+            <a:r>
+              <a:rPr lang="en-IN" dirty="0" err="1"/>
+              <a:t>HueSaturation</a:t>
+            </a:r>
+            <a:endParaRPr lang="en-IN" dirty="0"/>
+          </a:p>
+          <a:p>
+            <a:r>
+              <a:rPr lang="en-IN" dirty="0" err="1"/>
+              <a:t>Gray</a:t>
+            </a:r>
+            <a:r>
+              <a:rPr lang="en-IN" dirty="0"/>
+              <a:t> scale</a:t>
+            </a:r>
+          </a:p>
+          <a:p>
+            <a:r>
+              <a:rPr lang="en-IN" dirty="0"/>
+              <a:t>Jpeg Compression</a:t>
+            </a:r>
+          </a:p>
+          <a:p>
+            <a:endParaRPr lang="en-IN" dirty="0"/>
+          </a:p>
+        </p:txBody>
+      </p:sp>
     </p:spTree>
     <p:extLst>
       <p:ext uri="{BB962C8B-B14F-4D97-AF65-F5344CB8AC3E}">
-        <p14:creationId xmlns:p14="http://schemas.microsoft.com/office/powerpoint/2010/main" val="2561153284"/>
+        <p14:creationId xmlns:p14="http://schemas.microsoft.com/office/powerpoint/2010/main" val="3053698358"/>
       </p:ext>
     </p:extLst>
   </p:cSld>
@@ -4214,7 +4297,7 @@
           <a:p>
             <a:r>
               <a:rPr lang="en-IN" dirty="0"/>
-              <a:t>Training process</a:t>
+              <a:t>Data Ensemble</a:t>
             </a:r>
           </a:p>
         </p:txBody>
@@ -4247,52 +4330,58 @@
           </a:bodyPr>
           <a:lstStyle/>
           <a:p>
+            <a:endParaRPr lang="en-IN" dirty="0"/>
+          </a:p>
+          <a:p>
             <a:r>
               <a:rPr lang="en-IN" dirty="0"/>
-              <a:t>Train/test split : 6:1 [10K : 2K] </a:t>
+              <a:t>We trained data separately on</a:t>
             </a:r>
           </a:p>
           <a:p>
             <a:r>
               <a:rPr lang="en-IN" dirty="0"/>
-              <a:t>Epochs: 10</a:t>
+              <a:t>InceptionV3</a:t>
             </a:r>
           </a:p>
           <a:p>
             <a:r>
               <a:rPr lang="en-IN" dirty="0"/>
-              <a:t>Entropy loss: </a:t>
-            </a:r>
+              <a:t>ResNet50</a:t>
+            </a:r>
+          </a:p>
+          <a:p>
             <a:r>
               <a:rPr lang="en-IN" dirty="0" err="1"/>
-              <a:t>categorical_crossentropy</a:t>
+              <a:t>InceptionResnet</a:t>
             </a:r>
             <a:r>
               <a:rPr lang="en-IN" dirty="0"/>
-              <a:t>.</a:t>
+              <a:t> V2.</a:t>
             </a:r>
           </a:p>
           <a:p>
             <a:r>
               <a:rPr lang="en-IN" dirty="0"/>
-              <a:t>Optimizer: </a:t>
+              <a:t>Our Module</a:t>
+            </a:r>
+          </a:p>
+          <a:p>
+            <a:r>
+              <a:rPr lang="en-IN" dirty="0"/>
+              <a:t>Weighted </a:t>
             </a:r>
             <a:r>
               <a:rPr lang="en-IN" dirty="0" err="1"/>
-              <a:t>RMSProps</a:t>
+              <a:t>Avg</a:t>
             </a:r>
             <a:r>
               <a:rPr lang="en-IN" dirty="0"/>
-              <a:t> </a:t>
-            </a:r>
-            <a:r>
-              <a:rPr lang="en-IN" dirty="0" err="1"/>
-              <a:t>lr</a:t>
-            </a:r>
-            <a:r>
-              <a:rPr lang="en-IN" dirty="0"/>
-              <a:t> 0.001</a:t>
-            </a:r>
+              <a:t> of prediction. </a:t>
+            </a:r>
+          </a:p>
+          <a:p>
+            <a:endParaRPr lang="en-IN" dirty="0"/>
           </a:p>
           <a:p>
             <a:endParaRPr lang="en-IN" dirty="0"/>
@@ -4369,7 +4458,111 @@
           <a:p>
             <a:r>
               <a:rPr lang="en-IN" dirty="0"/>
-              <a:t>References</a:t>
+              <a:t>Model for 20 classes</a:t>
+            </a:r>
+          </a:p>
+        </p:txBody>
+      </p:sp>
+      <p:pic>
+        <p:nvPicPr>
+          <p:cNvPr id="5" name="Content Placeholder 4">
+            <a:extLst>
+              <a:ext uri="{FF2B5EF4-FFF2-40B4-BE49-F238E27FC236}">
+                <a16:creationId xmlns:a16="http://schemas.microsoft.com/office/drawing/2014/main" id="{8FC9C56C-0186-427A-B844-EDE582455BF1}"/>
+              </a:ext>
+            </a:extLst>
+          </p:cNvPr>
+          <p:cNvPicPr>
+            <a:picLocks noGrp="1" noChangeAspect="1"/>
+          </p:cNvPicPr>
+          <p:nvPr>
+            <p:ph idx="1"/>
+          </p:nvPr>
+        </p:nvPicPr>
+        <p:blipFill>
+          <a:blip r:embed="rId2"/>
+          <a:stretch>
+            <a:fillRect/>
+          </a:stretch>
+        </p:blipFill>
+        <p:spPr>
+          <a:xfrm>
+            <a:off x="1480269" y="990600"/>
+            <a:ext cx="10195916" cy="5654878"/>
+          </a:xfrm>
+        </p:spPr>
+      </p:pic>
+    </p:spTree>
+    <p:extLst>
+      <p:ext uri="{BB962C8B-B14F-4D97-AF65-F5344CB8AC3E}">
+        <p14:creationId xmlns:p14="http://schemas.microsoft.com/office/powerpoint/2010/main" val="2561153284"/>
+      </p:ext>
+    </p:extLst>
+  </p:cSld>
+  <p:clrMapOvr>
+    <a:masterClrMapping/>
+  </p:clrMapOvr>
+</p:sld>
+</file>
+
+<file path=ppt/slides/slide14.xml><?xml version="1.0" encoding="utf-8"?>
+<p:sld xmlns:a="http://schemas.openxmlformats.org/drawingml/2006/main" xmlns:r="http://schemas.openxmlformats.org/officeDocument/2006/relationships" xmlns:p="http://schemas.openxmlformats.org/presentationml/2006/main">
+  <p:cSld>
+    <p:bg>
+      <p:bgPr>
+        <a:solidFill>
+          <a:schemeClr val="bg1">
+            <a:lumMod val="95000"/>
+          </a:schemeClr>
+        </a:solidFill>
+        <a:effectLst/>
+      </p:bgPr>
+    </p:bg>
+    <p:spTree>
+      <p:nvGrpSpPr>
+        <p:cNvPr id="1" name=""/>
+        <p:cNvGrpSpPr/>
+        <p:nvPr/>
+      </p:nvGrpSpPr>
+      <p:grpSpPr>
+        <a:xfrm>
+          <a:off x="0" y="0"/>
+          <a:ext cx="0" cy="0"/>
+          <a:chOff x="0" y="0"/>
+          <a:chExt cx="0" cy="0"/>
+        </a:xfrm>
+      </p:grpSpPr>
+      <p:sp>
+        <p:nvSpPr>
+          <p:cNvPr id="2" name="Title 1">
+            <a:extLst>
+              <a:ext uri="{FF2B5EF4-FFF2-40B4-BE49-F238E27FC236}">
+                <a16:creationId xmlns:a16="http://schemas.microsoft.com/office/drawing/2014/main" id="{3D69D893-C6ED-482F-960A-D11A4C68136D}"/>
+              </a:ext>
+            </a:extLst>
+          </p:cNvPr>
+          <p:cNvSpPr>
+            <a:spLocks noGrp="1"/>
+          </p:cNvSpPr>
+          <p:nvPr>
+            <p:ph type="title"/>
+          </p:nvPr>
+        </p:nvSpPr>
+        <p:spPr>
+          <a:xfrm>
+            <a:off x="1371600" y="323589"/>
+            <a:ext cx="9601200" cy="667011"/>
+          </a:xfrm>
+        </p:spPr>
+        <p:txBody>
+          <a:bodyPr>
+            <a:normAutofit fontScale="90000"/>
+          </a:bodyPr>
+          <a:lstStyle/>
+          <a:p>
+            <a:r>
+              <a:rPr lang="en-IN" dirty="0"/>
+              <a:t>Training process</a:t>
             </a:r>
           </a:p>
         </p:txBody>
@@ -4402,30 +4595,189 @@
           </a:bodyPr>
           <a:lstStyle/>
           <a:p>
+            <a:r>
+              <a:rPr lang="en-IN" dirty="0"/>
+              <a:t>Train/test split : 9:1 [9K : 1K] </a:t>
+            </a:r>
+          </a:p>
+          <a:p>
+            <a:r>
+              <a:rPr lang="en-IN" dirty="0"/>
+              <a:t>Epochs: 10</a:t>
+            </a:r>
+          </a:p>
+          <a:p>
+            <a:r>
+              <a:rPr lang="en-IN" dirty="0"/>
+              <a:t>Entropy loss: </a:t>
+            </a:r>
+            <a:r>
+              <a:rPr lang="en-IN" dirty="0" err="1"/>
+              <a:t>categorical_crossentropy</a:t>
+            </a:r>
+            <a:r>
+              <a:rPr lang="en-IN" dirty="0"/>
+              <a:t>.</a:t>
+            </a:r>
+          </a:p>
+          <a:p>
+            <a:r>
+              <a:rPr lang="en-IN" dirty="0"/>
+              <a:t>Optimizer: </a:t>
+            </a:r>
+            <a:r>
+              <a:rPr lang="en-IN" dirty="0" err="1"/>
+              <a:t>RMSProps</a:t>
+            </a:r>
+            <a:r>
+              <a:rPr lang="en-IN" dirty="0"/>
+              <a:t> </a:t>
+            </a:r>
+            <a:r>
+              <a:rPr lang="en-IN" dirty="0" err="1"/>
+              <a:t>lr</a:t>
+            </a:r>
+            <a:r>
+              <a:rPr lang="en-IN" dirty="0"/>
+              <a:t> 0.001</a:t>
+            </a:r>
+          </a:p>
+          <a:p>
             <a:endParaRPr lang="en-IN" dirty="0"/>
           </a:p>
+        </p:txBody>
+      </p:sp>
+    </p:spTree>
+    <p:extLst>
+      <p:ext uri="{BB962C8B-B14F-4D97-AF65-F5344CB8AC3E}">
+        <p14:creationId xmlns:p14="http://schemas.microsoft.com/office/powerpoint/2010/main" val="493941040"/>
+      </p:ext>
+    </p:extLst>
+  </p:cSld>
+  <p:clrMapOvr>
+    <a:masterClrMapping/>
+  </p:clrMapOvr>
+</p:sld>
+</file>
+
+<file path=ppt/slides/slide15.xml><?xml version="1.0" encoding="utf-8"?>
+<p:sld xmlns:a="http://schemas.openxmlformats.org/drawingml/2006/main" xmlns:r="http://schemas.openxmlformats.org/officeDocument/2006/relationships" xmlns:p="http://schemas.openxmlformats.org/presentationml/2006/main">
+  <p:cSld>
+    <p:bg>
+      <p:bgPr>
+        <a:solidFill>
+          <a:schemeClr val="bg1">
+            <a:lumMod val="95000"/>
+          </a:schemeClr>
+        </a:solidFill>
+        <a:effectLst/>
+      </p:bgPr>
+    </p:bg>
+    <p:spTree>
+      <p:nvGrpSpPr>
+        <p:cNvPr id="1" name=""/>
+        <p:cNvGrpSpPr/>
+        <p:nvPr/>
+      </p:nvGrpSpPr>
+      <p:grpSpPr>
+        <a:xfrm>
+          <a:off x="0" y="0"/>
+          <a:ext cx="0" cy="0"/>
+          <a:chOff x="0" y="0"/>
+          <a:chExt cx="0" cy="0"/>
+        </a:xfrm>
+      </p:grpSpPr>
+      <p:sp>
+        <p:nvSpPr>
+          <p:cNvPr id="2" name="Title 1">
+            <a:extLst>
+              <a:ext uri="{FF2B5EF4-FFF2-40B4-BE49-F238E27FC236}">
+                <a16:creationId xmlns:a16="http://schemas.microsoft.com/office/drawing/2014/main" id="{3D69D893-C6ED-482F-960A-D11A4C68136D}"/>
+              </a:ext>
+            </a:extLst>
+          </p:cNvPr>
+          <p:cNvSpPr>
+            <a:spLocks noGrp="1"/>
+          </p:cNvSpPr>
+          <p:nvPr>
+            <p:ph type="title"/>
+          </p:nvPr>
+        </p:nvSpPr>
+        <p:spPr>
+          <a:xfrm>
+            <a:off x="1371600" y="323589"/>
+            <a:ext cx="9601200" cy="667011"/>
+          </a:xfrm>
+        </p:spPr>
+        <p:txBody>
+          <a:bodyPr>
+            <a:normAutofit fontScale="90000"/>
+          </a:bodyPr>
+          <a:lstStyle/>
           <a:p>
             <a:r>
               <a:rPr lang="en-IN" dirty="0"/>
-              <a:t>Squeeze-and-Excitation Networks</a:t>
-            </a:r>
+              <a:t>References</a:t>
+            </a:r>
+          </a:p>
+        </p:txBody>
+      </p:sp>
+      <p:sp>
+        <p:nvSpPr>
+          <p:cNvPr id="3" name="Content Placeholder 2">
+            <a:extLst>
+              <a:ext uri="{FF2B5EF4-FFF2-40B4-BE49-F238E27FC236}">
+                <a16:creationId xmlns:a16="http://schemas.microsoft.com/office/drawing/2014/main" id="{2B6DEA3F-9D49-4C38-9368-AD6F80DF72CA}"/>
+              </a:ext>
+            </a:extLst>
+          </p:cNvPr>
+          <p:cNvSpPr>
+            <a:spLocks noGrp="1"/>
+          </p:cNvSpPr>
+          <p:nvPr>
+            <p:ph idx="1"/>
+          </p:nvPr>
+        </p:nvSpPr>
+        <p:spPr>
+          <a:xfrm>
+            <a:off x="1371600" y="990601"/>
+            <a:ext cx="9601200" cy="4876800"/>
+          </a:xfrm>
+        </p:spPr>
+        <p:txBody>
+          <a:bodyPr>
+            <a:normAutofit lnSpcReduction="10000"/>
+          </a:bodyPr>
+          <a:lstStyle/>
+          <a:p>
+            <a:endParaRPr lang="en-IN" dirty="0"/>
+          </a:p>
+          <a:p>
+            <a:r>
+              <a:rPr lang="en-IN" dirty="0" err="1"/>
+              <a:t>albumentations</a:t>
+            </a:r>
+            <a:endParaRPr lang="en-IN" dirty="0"/>
           </a:p>
           <a:p>
             <a:r>
               <a:rPr lang="en-IN" dirty="0">
                 <a:hlinkClick r:id="rId2"/>
               </a:rPr>
-              <a:t>https://arxiv.org/pdf/1709.01507.pdf</a:t>
+              <a:t>https://github.com/albu/albumentations</a:t>
             </a:r>
             <a:endParaRPr lang="en-IN" dirty="0"/>
           </a:p>
           <a:p>
+            <a:pPr marL="0" indent="0">
+              <a:buNone/>
+            </a:pPr>
             <a:endParaRPr lang="en-IN" dirty="0"/>
           </a:p>
           <a:p>
             <a:r>
-              <a:rPr lang="en-US" dirty="0"/>
-              <a:t>Deep CNN Ensemble with Data Augmentation for Object Detection</a:t>
+              <a:rPr lang="en-IN" dirty="0"/>
+              <a:t>Squeeze-and-Excitation Networks</a:t>
             </a:r>
           </a:p>
           <a:p>
@@ -4433,6 +4785,24 @@
               <a:rPr lang="en-IN" dirty="0">
                 <a:hlinkClick r:id="rId3"/>
               </a:rPr>
+              <a:t>https://arxiv.org/pdf/1709.01507.pdf</a:t>
+            </a:r>
+            <a:endParaRPr lang="en-IN" dirty="0"/>
+          </a:p>
+          <a:p>
+            <a:endParaRPr lang="en-IN" dirty="0"/>
+          </a:p>
+          <a:p>
+            <a:r>
+              <a:rPr lang="en-US" dirty="0"/>
+              <a:t>Deep CNN Ensemble with Data Augmentation for Object Detection</a:t>
+            </a:r>
+          </a:p>
+          <a:p>
+            <a:r>
+              <a:rPr lang="en-IN" dirty="0">
+                <a:hlinkClick r:id="rId4"/>
+              </a:rPr>
               <a:t>https://arxiv.org/pdf/1506.07224.pdf</a:t>
             </a:r>
             <a:endParaRPr lang="en-IN" dirty="0"/>
@@ -4449,7 +4819,7 @@
           <a:p>
             <a:r>
               <a:rPr lang="en-IN" dirty="0">
-                <a:hlinkClick r:id="rId4"/>
+                <a:hlinkClick r:id="rId5"/>
               </a:rPr>
               <a:t>https://arxiv.org/pdf/1605.03498.pdf</a:t>
             </a:r>
@@ -4564,9 +4934,16 @@
           <a:bodyPr/>
           <a:lstStyle/>
           <a:p>
+            <a:endParaRPr lang="en-IN" dirty="0"/>
+          </a:p>
+          <a:p>
+            <a:r>
+              <a:rPr lang="en-IN" dirty="0" err="1"/>
+              <a:t>GoogleAI</a:t>
+            </a:r>
             <a:r>
               <a:rPr lang="en-IN" dirty="0"/>
-              <a:t>Inclusive Images Challenge</a:t>
+              <a:t>: Inclusive Images Challenge</a:t>
             </a:r>
           </a:p>
           <a:p>
@@ -4603,6 +4980,110 @@
 </file>
 
 <file path=ppt/slides/slide3.xml><?xml version="1.0" encoding="utf-8"?>
+<p:sld xmlns:a="http://schemas.openxmlformats.org/drawingml/2006/main" xmlns:r="http://schemas.openxmlformats.org/officeDocument/2006/relationships" xmlns:p="http://schemas.openxmlformats.org/presentationml/2006/main">
+  <p:cSld>
+    <p:bg>
+      <p:bgPr>
+        <a:solidFill>
+          <a:schemeClr val="bg1">
+            <a:lumMod val="95000"/>
+          </a:schemeClr>
+        </a:solidFill>
+        <a:effectLst/>
+      </p:bgPr>
+    </p:bg>
+    <p:spTree>
+      <p:nvGrpSpPr>
+        <p:cNvPr id="1" name=""/>
+        <p:cNvGrpSpPr/>
+        <p:nvPr/>
+      </p:nvGrpSpPr>
+      <p:grpSpPr>
+        <a:xfrm>
+          <a:off x="0" y="0"/>
+          <a:ext cx="0" cy="0"/>
+          <a:chOff x="0" y="0"/>
+          <a:chExt cx="0" cy="0"/>
+        </a:xfrm>
+      </p:grpSpPr>
+      <p:sp>
+        <p:nvSpPr>
+          <p:cNvPr id="2" name="Title 1">
+            <a:extLst>
+              <a:ext uri="{FF2B5EF4-FFF2-40B4-BE49-F238E27FC236}">
+                <a16:creationId xmlns:a16="http://schemas.microsoft.com/office/drawing/2014/main" id="{3D69D893-C6ED-482F-960A-D11A4C68136D}"/>
+              </a:ext>
+            </a:extLst>
+          </p:cNvPr>
+          <p:cNvSpPr>
+            <a:spLocks noGrp="1"/>
+          </p:cNvSpPr>
+          <p:nvPr>
+            <p:ph type="title"/>
+          </p:nvPr>
+        </p:nvSpPr>
+        <p:spPr>
+          <a:xfrm>
+            <a:off x="1371600" y="323589"/>
+            <a:ext cx="9601200" cy="667011"/>
+          </a:xfrm>
+        </p:spPr>
+        <p:txBody>
+          <a:bodyPr>
+            <a:normAutofit fontScale="90000"/>
+          </a:bodyPr>
+          <a:lstStyle/>
+          <a:p>
+            <a:r>
+              <a:rPr lang="en-IN" dirty="0"/>
+              <a:t>Data Generated Locations</a:t>
+            </a:r>
+          </a:p>
+        </p:txBody>
+      </p:sp>
+      <p:pic>
+        <p:nvPicPr>
+          <p:cNvPr id="5" name="Content Placeholder 4">
+            <a:extLst>
+              <a:ext uri="{FF2B5EF4-FFF2-40B4-BE49-F238E27FC236}">
+                <a16:creationId xmlns:a16="http://schemas.microsoft.com/office/drawing/2014/main" id="{C780592D-8DB6-4552-8939-655D755FB740}"/>
+              </a:ext>
+            </a:extLst>
+          </p:cNvPr>
+          <p:cNvPicPr>
+            <a:picLocks noGrp="1" noChangeAspect="1"/>
+          </p:cNvPicPr>
+          <p:nvPr>
+            <p:ph idx="1"/>
+          </p:nvPr>
+        </p:nvPicPr>
+        <p:blipFill>
+          <a:blip r:embed="rId2"/>
+          <a:stretch>
+            <a:fillRect/>
+          </a:stretch>
+        </p:blipFill>
+        <p:spPr>
+          <a:xfrm>
+            <a:off x="1371600" y="1828800"/>
+            <a:ext cx="9601200" cy="3200400"/>
+          </a:xfrm>
+        </p:spPr>
+      </p:pic>
+    </p:spTree>
+    <p:extLst>
+      <p:ext uri="{BB962C8B-B14F-4D97-AF65-F5344CB8AC3E}">
+        <p14:creationId xmlns:p14="http://schemas.microsoft.com/office/powerpoint/2010/main" val="3342468856"/>
+      </p:ext>
+    </p:extLst>
+  </p:cSld>
+  <p:clrMapOvr>
+    <a:masterClrMapping/>
+  </p:clrMapOvr>
+</p:sld>
+</file>
+
+<file path=ppt/slides/slide4.xml><?xml version="1.0" encoding="utf-8"?>
 <p:sld xmlns:a="http://schemas.openxmlformats.org/drawingml/2006/main" xmlns:r="http://schemas.openxmlformats.org/officeDocument/2006/relationships" xmlns:p="http://schemas.openxmlformats.org/presentationml/2006/main">
   <p:cSld>
     <p:bg>
@@ -5053,13 +5534,13 @@
   <p:clrMapOvr>
     <a:overrideClrMapping bg1="dk1" tx1="lt1" bg2="dk2" tx2="lt2" accent1="accent1" accent2="accent2" accent3="accent3" accent4="accent4" accent5="accent5" accent6="accent6" hlink="hlink" folHlink="folHlink"/>
   </p:clrMapOvr>
-  <mc:AlternateContent xmlns:mc="http://schemas.openxmlformats.org/markup-compatibility/2006">
-    <mc:Choice xmlns:p14="http://schemas.microsoft.com/office/powerpoint/2010/main" Requires="p14">
+  <mc:AlternateContent xmlns:mc="http://schemas.openxmlformats.org/markup-compatibility/2006" xmlns:p14="http://schemas.microsoft.com/office/powerpoint/2010/main">
+    <mc:Choice Requires="p14">
       <p:transition spd="med" p14:dur="700">
         <p:fade/>
       </p:transition>
     </mc:Choice>
-    <mc:Fallback>
+    <mc:Fallback xmlns="">
       <p:transition spd="med">
         <p:fade/>
       </p:transition>
@@ -5068,7 +5549,7 @@
 </p:sld>
 </file>
 
-<file path=ppt/slides/slide4.xml><?xml version="1.0" encoding="utf-8"?>
+<file path=ppt/slides/slide5.xml><?xml version="1.0" encoding="utf-8"?>
 <p:sld xmlns:a="http://schemas.openxmlformats.org/drawingml/2006/main" xmlns:r="http://schemas.openxmlformats.org/officeDocument/2006/relationships" xmlns:p="http://schemas.openxmlformats.org/presentationml/2006/main">
   <p:cSld>
     <p:bg>
@@ -5535,110 +6016,6 @@
   </p:cSld>
   <p:clrMapOvr>
     <a:overrideClrMapping bg1="dk1" tx1="lt1" bg2="dk2" tx2="lt2" accent1="accent1" accent2="accent2" accent3="accent3" accent4="accent4" accent5="accent5" accent6="accent6" hlink="hlink" folHlink="folHlink"/>
-  </p:clrMapOvr>
-</p:sld>
-</file>
-
-<file path=ppt/slides/slide5.xml><?xml version="1.0" encoding="utf-8"?>
-<p:sld xmlns:a="http://schemas.openxmlformats.org/drawingml/2006/main" xmlns:r="http://schemas.openxmlformats.org/officeDocument/2006/relationships" xmlns:p="http://schemas.openxmlformats.org/presentationml/2006/main">
-  <p:cSld>
-    <p:bg>
-      <p:bgPr>
-        <a:solidFill>
-          <a:schemeClr val="bg1">
-            <a:lumMod val="95000"/>
-          </a:schemeClr>
-        </a:solidFill>
-        <a:effectLst/>
-      </p:bgPr>
-    </p:bg>
-    <p:spTree>
-      <p:nvGrpSpPr>
-        <p:cNvPr id="1" name=""/>
-        <p:cNvGrpSpPr/>
-        <p:nvPr/>
-      </p:nvGrpSpPr>
-      <p:grpSpPr>
-        <a:xfrm>
-          <a:off x="0" y="0"/>
-          <a:ext cx="0" cy="0"/>
-          <a:chOff x="0" y="0"/>
-          <a:chExt cx="0" cy="0"/>
-        </a:xfrm>
-      </p:grpSpPr>
-      <p:sp>
-        <p:nvSpPr>
-          <p:cNvPr id="2" name="Title 1">
-            <a:extLst>
-              <a:ext uri="{FF2B5EF4-FFF2-40B4-BE49-F238E27FC236}">
-                <a16:creationId xmlns:a16="http://schemas.microsoft.com/office/drawing/2014/main" id="{3D69D893-C6ED-482F-960A-D11A4C68136D}"/>
-              </a:ext>
-            </a:extLst>
-          </p:cNvPr>
-          <p:cNvSpPr>
-            <a:spLocks noGrp="1"/>
-          </p:cNvSpPr>
-          <p:nvPr>
-            <p:ph type="title"/>
-          </p:nvPr>
-        </p:nvSpPr>
-        <p:spPr>
-          <a:xfrm>
-            <a:off x="1371600" y="323589"/>
-            <a:ext cx="9601200" cy="667011"/>
-          </a:xfrm>
-        </p:spPr>
-        <p:txBody>
-          <a:bodyPr>
-            <a:normAutofit fontScale="90000"/>
-          </a:bodyPr>
-          <a:lstStyle/>
-          <a:p>
-            <a:r>
-              <a:rPr lang="en-IN" dirty="0"/>
-              <a:t>Data Generated Locations</a:t>
-            </a:r>
-          </a:p>
-        </p:txBody>
-      </p:sp>
-      <p:pic>
-        <p:nvPicPr>
-          <p:cNvPr id="5" name="Content Placeholder 4">
-            <a:extLst>
-              <a:ext uri="{FF2B5EF4-FFF2-40B4-BE49-F238E27FC236}">
-                <a16:creationId xmlns:a16="http://schemas.microsoft.com/office/drawing/2014/main" id="{C780592D-8DB6-4552-8939-655D755FB740}"/>
-              </a:ext>
-            </a:extLst>
-          </p:cNvPr>
-          <p:cNvPicPr>
-            <a:picLocks noGrp="1" noChangeAspect="1"/>
-          </p:cNvPicPr>
-          <p:nvPr>
-            <p:ph idx="1"/>
-          </p:nvPr>
-        </p:nvPicPr>
-        <p:blipFill>
-          <a:blip r:embed="rId2"/>
-          <a:stretch>
-            <a:fillRect/>
-          </a:stretch>
-        </p:blipFill>
-        <p:spPr>
-          <a:xfrm>
-            <a:off x="1371600" y="1828800"/>
-            <a:ext cx="9601200" cy="3200400"/>
-          </a:xfrm>
-        </p:spPr>
-      </p:pic>
-    </p:spTree>
-    <p:extLst>
-      <p:ext uri="{BB962C8B-B14F-4D97-AF65-F5344CB8AC3E}">
-        <p14:creationId xmlns:p14="http://schemas.microsoft.com/office/powerpoint/2010/main" val="3342468856"/>
-      </p:ext>
-    </p:extLst>
-  </p:cSld>
-  <p:clrMapOvr>
-    <a:masterClrMapping/>
   </p:clrMapOvr>
 </p:sld>
 </file>
